--- a/published/lectures/11-bfs-pt_I/slides-wang.pptx
+++ b/published/lectures/11-bfs-pt_I/slides-wang.pptx
@@ -413,7 +413,7 @@
               <a:pPr>
                 <a:defRPr/>
               </a:pPr>
-              <a:t>2/8/2021</a:t>
+              <a:t>2/11/2021</a:t>
             </a:fld>
             <a:endParaRPr lang="en-US"/>
           </a:p>
@@ -1101,7 +1101,7 @@
               <a:pPr>
                 <a:defRPr/>
               </a:pPr>
-              <a:t>2/8/2021</a:t>
+              <a:t>2/11/2021</a:t>
             </a:fld>
             <a:endParaRPr lang="en-US"/>
           </a:p>
@@ -1345,7 +1345,7 @@
           <a:p>
             <a:fld id="{344494C4-6097-4BA9-B81C-8FE8D10E85BA}" type="datetimeFigureOut">
               <a:rPr lang="en-US" smtClean="0"/>
-              <a:t>2/8/2021</a:t>
+              <a:t>2/11/2021</a:t>
             </a:fld>
             <a:endParaRPr lang="en-US"/>
           </a:p>
@@ -1590,7 +1590,7 @@
           <a:p>
             <a:fld id="{344494C4-6097-4BA9-B81C-8FE8D10E85BA}" type="datetimeFigureOut">
               <a:rPr lang="en-US" smtClean="0"/>
-              <a:t>2/8/2021</a:t>
+              <a:t>2/11/2021</a:t>
             </a:fld>
             <a:endParaRPr lang="en-US"/>
           </a:p>
@@ -1970,7 +1970,7 @@
           <a:p>
             <a:fld id="{344494C4-6097-4BA9-B81C-8FE8D10E85BA}" type="datetimeFigureOut">
               <a:rPr lang="en-US" smtClean="0"/>
-              <a:t>2/8/2021</a:t>
+              <a:t>2/11/2021</a:t>
             </a:fld>
             <a:endParaRPr lang="en-US"/>
           </a:p>
@@ -2103,7 +2103,7 @@
           <a:p>
             <a:fld id="{344494C4-6097-4BA9-B81C-8FE8D10E85BA}" type="datetimeFigureOut">
               <a:rPr lang="en-US" smtClean="0"/>
-              <a:t>2/8/2021</a:t>
+              <a:t>2/11/2021</a:t>
             </a:fld>
             <a:endParaRPr lang="en-US"/>
           </a:p>
@@ -2214,7 +2214,7 @@
           <a:p>
             <a:fld id="{344494C4-6097-4BA9-B81C-8FE8D10E85BA}" type="datetimeFigureOut">
               <a:rPr lang="en-US" smtClean="0"/>
-              <a:t>2/8/2021</a:t>
+              <a:t>2/11/2021</a:t>
             </a:fld>
             <a:endParaRPr lang="en-US"/>
           </a:p>
@@ -2505,7 +2505,7 @@
           <a:p>
             <a:fld id="{344494C4-6097-4BA9-B81C-8FE8D10E85BA}" type="datetimeFigureOut">
               <a:rPr lang="en-US" smtClean="0"/>
-              <a:t>2/8/2021</a:t>
+              <a:t>2/11/2021</a:t>
             </a:fld>
             <a:endParaRPr lang="en-US"/>
           </a:p>
@@ -2773,7 +2773,7 @@
           <a:p>
             <a:fld id="{344494C4-6097-4BA9-B81C-8FE8D10E85BA}" type="datetimeFigureOut">
               <a:rPr lang="en-US" smtClean="0"/>
-              <a:t>2/8/2021</a:t>
+              <a:t>2/11/2021</a:t>
             </a:fld>
             <a:endParaRPr lang="en-US"/>
           </a:p>
@@ -2957,7 +2957,7 @@
           <a:p>
             <a:fld id="{344494C4-6097-4BA9-B81C-8FE8D10E85BA}" type="datetimeFigureOut">
               <a:rPr lang="en-US" smtClean="0"/>
-              <a:t>2/8/2021</a:t>
+              <a:t>2/11/2021</a:t>
             </a:fld>
             <a:endParaRPr lang="en-US"/>
           </a:p>
@@ -3151,7 +3151,7 @@
           <a:p>
             <a:fld id="{344494C4-6097-4BA9-B81C-8FE8D10E85BA}" type="datetimeFigureOut">
               <a:rPr lang="en-US" smtClean="0"/>
-              <a:t>2/8/2021</a:t>
+              <a:t>2/11/2021</a:t>
             </a:fld>
             <a:endParaRPr lang="en-US"/>
           </a:p>
@@ -3349,7 +3349,7 @@
           <a:p>
             <a:fld id="{7BF7D500-1223-4445-9EB2-2C72C770F9EB}" type="datetimeFigureOut">
               <a:rPr lang="en-US" smtClean="0"/>
-              <a:t>2/8/2021</a:t>
+              <a:t>2/11/2021</a:t>
             </a:fld>
             <a:endParaRPr lang="en-US"/>
           </a:p>
@@ -3532,7 +3532,7 @@
               <a:pPr>
                 <a:defRPr/>
               </a:pPr>
-              <a:t>2/8/2021</a:t>
+              <a:t>2/11/2021</a:t>
             </a:fld>
             <a:endParaRPr lang="en-US"/>
           </a:p>
@@ -3686,7 +3686,7 @@
           <a:p>
             <a:fld id="{7BF7D500-1223-4445-9EB2-2C72C770F9EB}" type="datetimeFigureOut">
               <a:rPr lang="en-US" smtClean="0"/>
-              <a:t>2/8/2021</a:t>
+              <a:t>2/11/2021</a:t>
             </a:fld>
             <a:endParaRPr lang="en-US"/>
           </a:p>
@@ -3931,7 +3931,7 @@
           <a:p>
             <a:fld id="{7BF7D500-1223-4445-9EB2-2C72C770F9EB}" type="datetimeFigureOut">
               <a:rPr lang="en-US" smtClean="0"/>
-              <a:t>2/8/2021</a:t>
+              <a:t>2/11/2021</a:t>
             </a:fld>
             <a:endParaRPr lang="en-US"/>
           </a:p>
@@ -4160,7 +4160,7 @@
           <a:p>
             <a:fld id="{7BF7D500-1223-4445-9EB2-2C72C770F9EB}" type="datetimeFigureOut">
               <a:rPr lang="en-US" smtClean="0"/>
-              <a:t>2/8/2021</a:t>
+              <a:t>2/11/2021</a:t>
             </a:fld>
             <a:endParaRPr lang="en-US"/>
           </a:p>
@@ -4524,7 +4524,7 @@
           <a:p>
             <a:fld id="{7BF7D500-1223-4445-9EB2-2C72C770F9EB}" type="datetimeFigureOut">
               <a:rPr lang="en-US" smtClean="0"/>
-              <a:t>2/8/2021</a:t>
+              <a:t>2/11/2021</a:t>
             </a:fld>
             <a:endParaRPr lang="en-US"/>
           </a:p>
@@ -4641,7 +4641,7 @@
           <a:p>
             <a:fld id="{7BF7D500-1223-4445-9EB2-2C72C770F9EB}" type="datetimeFigureOut">
               <a:rPr lang="en-US" smtClean="0"/>
-              <a:t>2/8/2021</a:t>
+              <a:t>2/11/2021</a:t>
             </a:fld>
             <a:endParaRPr lang="en-US"/>
           </a:p>
@@ -4736,7 +4736,7 @@
           <a:p>
             <a:fld id="{7BF7D500-1223-4445-9EB2-2C72C770F9EB}" type="datetimeFigureOut">
               <a:rPr lang="en-US" smtClean="0"/>
-              <a:t>2/8/2021</a:t>
+              <a:t>2/11/2021</a:t>
             </a:fld>
             <a:endParaRPr lang="en-US"/>
           </a:p>
@@ -5011,7 +5011,7 @@
           <a:p>
             <a:fld id="{7BF7D500-1223-4445-9EB2-2C72C770F9EB}" type="datetimeFigureOut">
               <a:rPr lang="en-US" smtClean="0"/>
-              <a:t>2/8/2021</a:t>
+              <a:t>2/11/2021</a:t>
             </a:fld>
             <a:endParaRPr lang="en-US"/>
           </a:p>
@@ -5263,7 +5263,7 @@
           <a:p>
             <a:fld id="{7BF7D500-1223-4445-9EB2-2C72C770F9EB}" type="datetimeFigureOut">
               <a:rPr lang="en-US" smtClean="0"/>
-              <a:t>2/8/2021</a:t>
+              <a:t>2/11/2021</a:t>
             </a:fld>
             <a:endParaRPr lang="en-US"/>
           </a:p>
@@ -5431,7 +5431,7 @@
           <a:p>
             <a:fld id="{7BF7D500-1223-4445-9EB2-2C72C770F9EB}" type="datetimeFigureOut">
               <a:rPr lang="en-US" smtClean="0"/>
-              <a:t>2/8/2021</a:t>
+              <a:t>2/11/2021</a:t>
             </a:fld>
             <a:endParaRPr lang="en-US"/>
           </a:p>
@@ -5609,7 +5609,7 @@
           <a:p>
             <a:fld id="{7BF7D500-1223-4445-9EB2-2C72C770F9EB}" type="datetimeFigureOut">
               <a:rPr lang="en-US" smtClean="0"/>
-              <a:t>2/8/2021</a:t>
+              <a:t>2/11/2021</a:t>
             </a:fld>
             <a:endParaRPr lang="en-US"/>
           </a:p>
@@ -5853,7 +5853,7 @@
               <a:pPr>
                 <a:defRPr/>
               </a:pPr>
-              <a:t>2/8/2021</a:t>
+              <a:t>2/11/2021</a:t>
             </a:fld>
             <a:endParaRPr lang="en-US"/>
           </a:p>
@@ -6203,7 +6203,7 @@
               <a:pPr>
                 <a:defRPr/>
               </a:pPr>
-              <a:t>2/8/2021</a:t>
+              <a:t>2/11/2021</a:t>
             </a:fld>
             <a:endParaRPr lang="en-US"/>
           </a:p>
@@ -6367,7 +6367,7 @@
               <a:pPr>
                 <a:defRPr/>
               </a:pPr>
-              <a:t>2/8/2021</a:t>
+              <a:t>2/11/2021</a:t>
             </a:fld>
             <a:endParaRPr lang="en-US"/>
           </a:p>
@@ -6458,7 +6458,7 @@
               <a:pPr>
                 <a:defRPr/>
               </a:pPr>
-              <a:t>2/8/2021</a:t>
+              <a:t>2/11/2021</a:t>
             </a:fld>
             <a:endParaRPr lang="en-US"/>
           </a:p>
@@ -6567,7 +6567,7 @@
               <a:pPr>
                 <a:defRPr/>
               </a:pPr>
-              <a:t>2/8/2021</a:t>
+              <a:t>2/11/2021</a:t>
             </a:fld>
             <a:endParaRPr lang="en-US"/>
           </a:p>
@@ -6752,7 +6752,7 @@
           <a:p>
             <a:fld id="{344494C4-6097-4BA9-B81C-8FE8D10E85BA}" type="datetimeFigureOut">
               <a:rPr lang="en-US" smtClean="0"/>
-              <a:t>2/8/2021</a:t>
+              <a:t>2/11/2021</a:t>
             </a:fld>
             <a:endParaRPr lang="en-US"/>
           </a:p>
@@ -6936,7 +6936,7 @@
           <a:p>
             <a:fld id="{344494C4-6097-4BA9-B81C-8FE8D10E85BA}" type="datetimeFigureOut">
               <a:rPr lang="en-US" smtClean="0"/>
-              <a:t>2/8/2021</a:t>
+              <a:t>2/11/2021</a:t>
             </a:fld>
             <a:endParaRPr lang="en-US"/>
           </a:p>
@@ -7185,7 +7185,7 @@
               <a:pPr>
                 <a:defRPr/>
               </a:pPr>
-              <a:t>2/8/2021</a:t>
+              <a:t>2/11/2021</a:t>
             </a:fld>
             <a:endParaRPr lang="en-US"/>
           </a:p>
@@ -8439,7 +8439,7 @@
           <a:p>
             <a:fld id="{7BF7D500-1223-4445-9EB2-2C72C770F9EB}" type="datetimeFigureOut">
               <a:rPr lang="en-US" smtClean="0"/>
-              <a:t>2/8/2021</a:t>
+              <a:t>2/11/2021</a:t>
             </a:fld>
             <a:endParaRPr lang="en-US"/>
           </a:p>
@@ -10260,8 +10260,8 @@
           </a:p>
         </p:txBody>
       </p:sp>
-      <mc:AlternateContent xmlns:mc="http://schemas.openxmlformats.org/markup-compatibility/2006">
-        <mc:Choice xmlns:a14="http://schemas.microsoft.com/office/drawing/2010/main" Requires="a14">
+      <mc:AlternateContent xmlns:mc="http://schemas.openxmlformats.org/markup-compatibility/2006" xmlns:a14="http://schemas.microsoft.com/office/drawing/2010/main">
+        <mc:Choice Requires="a14">
           <p:sp>
             <p:nvSpPr>
               <p:cNvPr id="3" name="Content Placeholder 2">
@@ -10371,7 +10371,7 @@
             </p:txBody>
           </p:sp>
         </mc:Choice>
-        <mc:Fallback>
+        <mc:Fallback xmlns="">
           <p:sp>
             <p:nvSpPr>
               <p:cNvPr id="3" name="Content Placeholder 2">
@@ -12754,6 +12754,85 @@
   <p:clrMapOvr>
     <a:masterClrMapping/>
   </p:clrMapOvr>
+  <p:timing>
+    <p:tnLst>
+      <p:par>
+        <p:cTn id="1" dur="indefinite" restart="never" nodeType="tmRoot">
+          <p:childTnLst>
+            <p:seq concurrent="1" nextAc="seek">
+              <p:cTn id="2" dur="indefinite" nodeType="mainSeq">
+                <p:childTnLst>
+                  <p:par>
+                    <p:cTn id="3" fill="hold">
+                      <p:stCondLst>
+                        <p:cond delay="indefinite"/>
+                      </p:stCondLst>
+                      <p:childTnLst>
+                        <p:par>
+                          <p:cTn id="4" fill="hold">
+                            <p:stCondLst>
+                              <p:cond delay="0"/>
+                            </p:stCondLst>
+                            <p:childTnLst>
+                              <p:par>
+                                <p:cTn id="5" presetID="1" presetClass="entr" presetSubtype="0" fill="hold" nodeType="clickEffect">
+                                  <p:stCondLst>
+                                    <p:cond delay="0"/>
+                                  </p:stCondLst>
+                                  <p:childTnLst>
+                                    <p:set>
+                                      <p:cBhvr>
+                                        <p:cTn id="6" dur="1" fill="hold">
+                                          <p:stCondLst>
+                                            <p:cond delay="0"/>
+                                          </p:stCondLst>
+                                        </p:cTn>
+                                        <p:tgtEl>
+                                          <p:spTgt spid="3">
+                                            <p:txEl>
+                                              <p:pRg st="3" end="3"/>
+                                            </p:txEl>
+                                          </p:spTgt>
+                                        </p:tgtEl>
+                                        <p:attrNameLst>
+                                          <p:attrName>style.visibility</p:attrName>
+                                        </p:attrNameLst>
+                                      </p:cBhvr>
+                                      <p:to>
+                                        <p:strVal val="visible"/>
+                                      </p:to>
+                                    </p:set>
+                                  </p:childTnLst>
+                                </p:cTn>
+                              </p:par>
+                            </p:childTnLst>
+                          </p:cTn>
+                        </p:par>
+                      </p:childTnLst>
+                    </p:cTn>
+                  </p:par>
+                </p:childTnLst>
+              </p:cTn>
+              <p:prevCondLst>
+                <p:cond evt="onPrev" delay="0">
+                  <p:tgtEl>
+                    <p:sldTgt/>
+                  </p:tgtEl>
+                </p:cond>
+              </p:prevCondLst>
+              <p:nextCondLst>
+                <p:cond evt="onNext" delay="0">
+                  <p:tgtEl>
+                    <p:sldTgt/>
+                  </p:tgtEl>
+                </p:cond>
+              </p:nextCondLst>
+            </p:seq>
+          </p:childTnLst>
+        </p:cTn>
+      </p:par>
+    </p:tnLst>
+  </p:timing>
 </p:sld>
 </file>
 
@@ -18834,6 +18913,147 @@
   <p:clrMapOvr>
     <a:masterClrMapping/>
   </p:clrMapOvr>
+  <p:timing>
+    <p:tnLst>
+      <p:par>
+        <p:cTn id="1" dur="indefinite" restart="never" nodeType="tmRoot">
+          <p:childTnLst>
+            <p:seq concurrent="1" nextAc="seek">
+              <p:cTn id="2" dur="indefinite" nodeType="mainSeq">
+                <p:childTnLst>
+                  <p:par>
+                    <p:cTn id="3" fill="hold">
+                      <p:stCondLst>
+                        <p:cond delay="indefinite"/>
+                      </p:stCondLst>
+                      <p:childTnLst>
+                        <p:par>
+                          <p:cTn id="4" fill="hold">
+                            <p:stCondLst>
+                              <p:cond delay="0"/>
+                            </p:stCondLst>
+                            <p:childTnLst>
+                              <p:par>
+                                <p:cTn id="5" presetID="1" presetClass="entr" presetSubtype="0" fill="hold" nodeType="clickEffect">
+                                  <p:stCondLst>
+                                    <p:cond delay="0"/>
+                                  </p:stCondLst>
+                                  <p:childTnLst>
+                                    <p:set>
+                                      <p:cBhvr>
+                                        <p:cTn id="6" dur="1" fill="hold">
+                                          <p:stCondLst>
+                                            <p:cond delay="0"/>
+                                          </p:stCondLst>
+                                        </p:cTn>
+                                        <p:tgtEl>
+                                          <p:spTgt spid="3">
+                                            <p:txEl>
+                                              <p:pRg st="6" end="6"/>
+                                            </p:txEl>
+                                          </p:spTgt>
+                                        </p:tgtEl>
+                                        <p:attrNameLst>
+                                          <p:attrName>style.visibility</p:attrName>
+                                        </p:attrNameLst>
+                                      </p:cBhvr>
+                                      <p:to>
+                                        <p:strVal val="visible"/>
+                                      </p:to>
+                                    </p:set>
+                                  </p:childTnLst>
+                                </p:cTn>
+                              </p:par>
+                              <p:par>
+                                <p:cTn id="7" presetID="1" presetClass="entr" presetSubtype="0" fill="hold" nodeType="withEffect">
+                                  <p:stCondLst>
+                                    <p:cond delay="0"/>
+                                  </p:stCondLst>
+                                  <p:childTnLst>
+                                    <p:set>
+                                      <p:cBhvr>
+                                        <p:cTn id="8" dur="1" fill="hold">
+                                          <p:stCondLst>
+                                            <p:cond delay="0"/>
+                                          </p:stCondLst>
+                                        </p:cTn>
+                                        <p:tgtEl>
+                                          <p:spTgt spid="3">
+                                            <p:txEl>
+                                              <p:pRg st="7" end="7"/>
+                                            </p:txEl>
+                                          </p:spTgt>
+                                        </p:tgtEl>
+                                        <p:attrNameLst>
+                                          <p:attrName>style.visibility</p:attrName>
+                                        </p:attrNameLst>
+                                      </p:cBhvr>
+                                      <p:to>
+                                        <p:strVal val="visible"/>
+                                      </p:to>
+                                    </p:set>
+                                  </p:childTnLst>
+                                </p:cTn>
+                              </p:par>
+                              <p:par>
+                                <p:cTn id="9" presetID="1" presetClass="entr" presetSubtype="0" fill="hold" nodeType="withEffect">
+                                  <p:stCondLst>
+                                    <p:cond delay="0"/>
+                                  </p:stCondLst>
+                                  <p:childTnLst>
+                                    <p:set>
+                                      <p:cBhvr>
+                                        <p:cTn id="10" dur="1" fill="hold">
+                                          <p:stCondLst>
+                                            <p:cond delay="0"/>
+                                          </p:stCondLst>
+                                        </p:cTn>
+                                        <p:tgtEl>
+                                          <p:spTgt spid="3">
+                                            <p:txEl>
+                                              <p:pRg st="8" end="8"/>
+                                            </p:txEl>
+                                          </p:spTgt>
+                                        </p:tgtEl>
+                                        <p:attrNameLst>
+                                          <p:attrName>style.visibility</p:attrName>
+                                        </p:attrNameLst>
+                                      </p:cBhvr>
+                                      <p:to>
+                                        <p:strVal val="visible"/>
+                                      </p:to>
+                                    </p:set>
+                                  </p:childTnLst>
+                                </p:cTn>
+                              </p:par>
+                            </p:childTnLst>
+                          </p:cTn>
+                        </p:par>
+                      </p:childTnLst>
+                    </p:cTn>
+                  </p:par>
+                </p:childTnLst>
+              </p:cTn>
+              <p:prevCondLst>
+                <p:cond evt="onPrev" delay="0">
+                  <p:tgtEl>
+                    <p:sldTgt/>
+                  </p:tgtEl>
+                </p:cond>
+              </p:prevCondLst>
+              <p:nextCondLst>
+                <p:cond evt="onNext" delay="0">
+                  <p:tgtEl>
+                    <p:sldTgt/>
+                  </p:tgtEl>
+                </p:cond>
+              </p:nextCondLst>
+            </p:seq>
+          </p:childTnLst>
+        </p:cTn>
+      </p:par>
+    </p:tnLst>
+  </p:timing>
 </p:sld>
 </file>
 
@@ -18909,10 +19129,10 @@
       </p:sp>
       <p:pic>
         <p:nvPicPr>
-          <p:cNvPr id="5" name="Picture 4">
+          <p:cNvPr id="6" name="Picture 5">
             <a:extLst>
               <a:ext uri="{FF2B5EF4-FFF2-40B4-BE49-F238E27FC236}">
-                <a16:creationId xmlns:a16="http://schemas.microsoft.com/office/drawing/2014/main" id="{E5F7E7EB-1FAF-4128-BE8C-193F1B2C3E36}"/>
+                <a16:creationId xmlns:a16="http://schemas.microsoft.com/office/drawing/2014/main" id="{25BF26C8-CCE4-4486-9554-E7D0FF8DAB8E}"/>
               </a:ext>
             </a:extLst>
           </p:cNvPr>
@@ -18929,8 +19149,8 @@
         </p:blipFill>
         <p:spPr>
           <a:xfrm>
-            <a:off x="158044" y="1402080"/>
-            <a:ext cx="8827911" cy="4572000"/>
+            <a:off x="333375" y="1411605"/>
+            <a:ext cx="8477250" cy="4552950"/>
           </a:xfrm>
           <a:prstGeom prst="rect">
             <a:avLst/>
